--- a/PPT/24_重心坐标系.pptx
+++ b/PPT/24_重心坐标系.pptx
@@ -329,7 +329,7 @@
               <a:pPr>
                 <a:defRPr/>
               </a:pPr>
-              <a:t>2017/8/18</a:t>
+              <a:t>2017/8/22</a:t>
             </a:fld>
             <a:endParaRPr lang="zh-CN" altLang="en-US" sz="1200"/>
           </a:p>
@@ -6454,7 +6454,7 @@
                     <m:d>
                       <m:dPr>
                         <m:ctrlPr>
-                          <a:rPr lang="en-US" altLang="zh-CN" sz="1800" b="0" i="0" smtClean="0">
+                          <a:rPr lang="en-US" altLang="zh-CN" sz="1800" b="0" i="1" smtClean="0">
                             <a:solidFill>
                               <a:schemeClr val="tx1">
                                 <a:lumMod val="65000"/>
@@ -8121,7 +8121,7 @@
                           <a:latin typeface="Cambria Math" panose="02040503050406030204" pitchFamily="18" charset="0"/>
                           <a:ea typeface="微软雅黑 Light" panose="020B0502040204020203" pitchFamily="34" charset="-122"/>
                         </a:rPr>
-                        <m:t>*</m:t>
+                        <m:t>∗</m:t>
                       </m:r>
                       <m:r>
                         <a:rPr lang="en-US" altLang="zh-CN" sz="1400" b="0" i="1" smtClean="0">
@@ -8460,7 +8460,7 @@
                   </m:oMath>
                 </a14:m>
                 <a:r>
-                  <a:rPr lang="zh-CN" altLang="en-US" sz="1800" dirty="0">
+                  <a:rPr lang="zh-CN" altLang="en-US" sz="1800">
                     <a:solidFill>
                       <a:schemeClr val="tx1">
                         <a:lumMod val="65000"/>
@@ -8469,7 +8469,7 @@
                     </a:solidFill>
                     <a:ea typeface="微软雅黑 Light" panose="020B0502040204020203" pitchFamily="34" charset="-122"/>
                   </a:rPr>
-                  <a:t>重心座标</a:t>
+                  <a:t>重心坐标</a:t>
                 </a:r>
                 <a:endParaRPr lang="en-US" altLang="zh-CN" sz="1800" dirty="0">
                   <a:solidFill>
@@ -8733,8 +8733,8 @@
           </a:p>
         </p:txBody>
       </p:sp>
-      <mc:AlternateContent xmlns:mc="http://schemas.openxmlformats.org/markup-compatibility/2006">
-        <mc:Choice xmlns:a14="http://schemas.microsoft.com/office/drawing/2010/main" Requires="a14">
+      <mc:AlternateContent xmlns:mc="http://schemas.openxmlformats.org/markup-compatibility/2006" xmlns:a14="http://schemas.microsoft.com/office/drawing/2010/main">
+        <mc:Choice Requires="a14">
           <p:sp>
             <p:nvSpPr>
               <p:cNvPr id="4" name="Content Placeholder 3">
@@ -9789,7 +9789,7 @@
             </p:txBody>
           </p:sp>
         </mc:Choice>
-        <mc:Fallback>
+        <mc:Fallback xmlns="">
           <p:sp>
             <p:nvSpPr>
               <p:cNvPr id="4" name="Content Placeholder 3">
@@ -10521,8 +10521,8 @@
           </a:p>
         </p:txBody>
       </p:sp>
-      <mc:AlternateContent xmlns:mc="http://schemas.openxmlformats.org/markup-compatibility/2006">
-        <mc:Choice xmlns:a14="http://schemas.microsoft.com/office/drawing/2010/main" Requires="a14">
+      <mc:AlternateContent xmlns:mc="http://schemas.openxmlformats.org/markup-compatibility/2006" xmlns:a14="http://schemas.microsoft.com/office/drawing/2010/main">
+        <mc:Choice Requires="a14">
           <p:sp>
             <p:nvSpPr>
               <p:cNvPr id="4" name="Content Placeholder 3">
@@ -11856,7 +11856,7 @@
             </p:txBody>
           </p:sp>
         </mc:Choice>
-        <mc:Fallback>
+        <mc:Fallback xmlns="">
           <p:sp>
             <p:nvSpPr>
               <p:cNvPr id="4" name="Content Placeholder 3">
